--- a/W8_Analisis_de_abundancia_diferencial.pptx
+++ b/W8_Analisis_de_abundancia_diferencial.pptx
@@ -133,6 +133,11 @@
       </a:defRPr>
     </a:lvl9pPr>
   </p:defaultTextStyle>
+  <p:extLst>
+    <p:ext uri="{EFAFB233-063F-42B5-8137-9DF3F51BA10A}">
+      <p15:sldGuideLst xmlns:p15="http://schemas.microsoft.com/office/powerpoint/2012/main"/>
+    </p:ext>
+  </p:extLst>
 </p:presentation>
 </file>
 
@@ -5706,7 +5711,7 @@
           <a:p>
             <a:fld id="{F58C4878-8429-44CF-A9B1-B1A53FAEFB22}" type="datetimeFigureOut">
               <a:rPr lang="es-PE" smtClean="0"/>
-              <a:t>19/03/2018</a:t>
+              <a:t>20/03/2018</a:t>
             </a:fld>
             <a:endParaRPr lang="es-PE"/>
           </a:p>
@@ -7278,7 +7283,7 @@
           <a:p>
             <a:fld id="{4509A250-FF31-4206-8172-F9D3106AACB1}" type="datetimeFigureOut">
               <a:rPr lang="en-US" smtClean="0"/>
-              <a:t>3/19/2018</a:t>
+              <a:t>3/20/2018</a:t>
             </a:fld>
             <a:endParaRPr lang="en-US" dirty="0"/>
           </a:p>

--- a/W8_Analisis_de_abundancia_diferencial.pptx
+++ b/W8_Analisis_de_abundancia_diferencial.pptx
@@ -5,12 +5,12 @@
     <p:sldMasterId id="2147483685" r:id="rId1"/>
   </p:sldMasterIdLst>
   <p:notesMasterIdLst>
-    <p:notesMasterId r:id="rId29"/>
+    <p:notesMasterId r:id="rId28"/>
   </p:notesMasterIdLst>
   <p:sldIdLst>
     <p:sldId id="258" r:id="rId2"/>
-    <p:sldId id="259" r:id="rId3"/>
-    <p:sldId id="274" r:id="rId4"/>
+    <p:sldId id="274" r:id="rId3"/>
+    <p:sldId id="259" r:id="rId4"/>
     <p:sldId id="275" r:id="rId5"/>
     <p:sldId id="280" r:id="rId6"/>
     <p:sldId id="277" r:id="rId7"/>
@@ -26,15 +26,14 @@
     <p:sldId id="272" r:id="rId17"/>
     <p:sldId id="265" r:id="rId18"/>
     <p:sldId id="273" r:id="rId19"/>
-    <p:sldId id="290" r:id="rId20"/>
-    <p:sldId id="291" r:id="rId21"/>
-    <p:sldId id="271" r:id="rId22"/>
-    <p:sldId id="286" r:id="rId23"/>
-    <p:sldId id="281" r:id="rId24"/>
-    <p:sldId id="283" r:id="rId25"/>
-    <p:sldId id="284" r:id="rId26"/>
-    <p:sldId id="282" r:id="rId27"/>
-    <p:sldId id="285" r:id="rId28"/>
+    <p:sldId id="291" r:id="rId20"/>
+    <p:sldId id="271" r:id="rId21"/>
+    <p:sldId id="286" r:id="rId22"/>
+    <p:sldId id="281" r:id="rId23"/>
+    <p:sldId id="283" r:id="rId24"/>
+    <p:sldId id="284" r:id="rId25"/>
+    <p:sldId id="282" r:id="rId26"/>
+    <p:sldId id="285" r:id="rId27"/>
   </p:sldIdLst>
   <p:sldSz cx="12192000" cy="6858000"/>
   <p:notesSz cx="6858000" cy="9144000"/>
@@ -14512,135 +14511,6 @@
           <a:chExt cx="0" cy="0"/>
         </a:xfrm>
       </p:grpSpPr>
-    </p:spTree>
-    <p:extLst>
-      <p:ext uri="{BB962C8B-B14F-4D97-AF65-F5344CB8AC3E}">
-        <p14:creationId xmlns:p14="http://schemas.microsoft.com/office/powerpoint/2010/main" val="3122169486"/>
-      </p:ext>
-    </p:extLst>
-  </p:cSld>
-  <p:clrMapOvr>
-    <a:masterClrMapping/>
-  </p:clrMapOvr>
-</p:sld>
-</file>
-
-<file path=ppt/slides/slide2.xml><?xml version="1.0" encoding="utf-8"?>
-<p:sld xmlns:a="http://schemas.openxmlformats.org/drawingml/2006/main" xmlns:r="http://schemas.openxmlformats.org/officeDocument/2006/relationships" xmlns:p="http://schemas.openxmlformats.org/presentationml/2006/main">
-  <p:cSld>
-    <p:spTree>
-      <p:nvGrpSpPr>
-        <p:cNvPr id="1" name=""/>
-        <p:cNvGrpSpPr/>
-        <p:nvPr/>
-      </p:nvGrpSpPr>
-      <p:grpSpPr>
-        <a:xfrm>
-          <a:off x="0" y="0"/>
-          <a:ext cx="0" cy="0"/>
-          <a:chOff x="0" y="0"/>
-          <a:chExt cx="0" cy="0"/>
-        </a:xfrm>
-      </p:grpSpPr>
-      <p:sp>
-        <p:nvSpPr>
-          <p:cNvPr id="2" name="Title 1"/>
-          <p:cNvSpPr>
-            <a:spLocks noGrp="1"/>
-          </p:cNvSpPr>
-          <p:nvPr>
-            <p:ph type="title"/>
-          </p:nvPr>
-        </p:nvSpPr>
-        <p:spPr/>
-        <p:txBody>
-          <a:bodyPr/>
-          <a:lstStyle/>
-          <a:p>
-            <a:r>
-              <a:rPr lang="en-US" dirty="0" err="1"/>
-              <a:t>Objetivos</a:t>
-            </a:r>
-            <a:endParaRPr lang="en-US" dirty="0"/>
-          </a:p>
-        </p:txBody>
-      </p:sp>
-      <p:sp>
-        <p:nvSpPr>
-          <p:cNvPr id="5" name="Content Placeholder 4">
-            <a:extLst>
-              <a:ext uri="{FF2B5EF4-FFF2-40B4-BE49-F238E27FC236}">
-                <a16:creationId xmlns:a16="http://schemas.microsoft.com/office/drawing/2014/main" id="{60510F10-5FE9-4C59-8533-7822FEE04745}"/>
-              </a:ext>
-            </a:extLst>
-          </p:cNvPr>
-          <p:cNvSpPr>
-            <a:spLocks noGrp="1"/>
-          </p:cNvSpPr>
-          <p:nvPr>
-            <p:ph idx="1"/>
-          </p:nvPr>
-        </p:nvSpPr>
-        <p:spPr/>
-        <p:txBody>
-          <a:bodyPr/>
-          <a:lstStyle/>
-          <a:p>
-            <a:r>
-              <a:rPr lang="es-PE" dirty="0"/>
-              <a:t>Los estudiantes podrán justificar el porque se hacen análisis de abundancias diferenciales</a:t>
-            </a:r>
-          </a:p>
-          <a:p>
-            <a:r>
-              <a:rPr lang="es-PE" dirty="0"/>
-              <a:t>Los estudiantes podrán mencionar dos tipos de análisis de abundancias diferenciales</a:t>
-            </a:r>
-          </a:p>
-          <a:p>
-            <a:r>
-              <a:rPr lang="es-PE" dirty="0"/>
-              <a:t>Los alumnos podrán entender cuales son las limitaciones de este tipo de análisis</a:t>
-            </a:r>
-          </a:p>
-          <a:p>
-            <a:endParaRPr lang="es-PE" dirty="0"/>
-          </a:p>
-          <a:p>
-            <a:endParaRPr lang="es-PE" dirty="0"/>
-          </a:p>
-        </p:txBody>
-      </p:sp>
-    </p:spTree>
-    <p:extLst>
-      <p:ext uri="{BB962C8B-B14F-4D97-AF65-F5344CB8AC3E}">
-        <p14:creationId xmlns:p14="http://schemas.microsoft.com/office/powerpoint/2010/main" val="2432363482"/>
-      </p:ext>
-    </p:extLst>
-  </p:cSld>
-  <p:clrMapOvr>
-    <a:masterClrMapping/>
-  </p:clrMapOvr>
-</p:sld>
-</file>
-
-<file path=ppt/slides/slide20.xml><?xml version="1.0" encoding="utf-8"?>
-<p:sld xmlns:a="http://schemas.openxmlformats.org/drawingml/2006/main" xmlns:r="http://schemas.openxmlformats.org/officeDocument/2006/relationships" xmlns:p="http://schemas.openxmlformats.org/presentationml/2006/main">
-  <p:cSld>
-    <p:spTree>
-      <p:nvGrpSpPr>
-        <p:cNvPr id="1" name=""/>
-        <p:cNvGrpSpPr/>
-        <p:nvPr/>
-      </p:nvGrpSpPr>
-      <p:grpSpPr>
-        <a:xfrm>
-          <a:off x="0" y="0"/>
-          <a:ext cx="0" cy="0"/>
-          <a:chOff x="0" y="0"/>
-          <a:chExt cx="0" cy="0"/>
-        </a:xfrm>
-      </p:grpSpPr>
       <p:pic>
         <p:nvPicPr>
           <p:cNvPr id="2050" name="Picture 2" descr="C:\Users\Erick Cardenas\Dropbox\cazy.stats.analysis2\svg\final\Fig1 Desing-chemistry-abundances.v.7.29.2014.png"/>
@@ -14783,7 +14653,121 @@
 </p:sld>
 </file>
 
-<file path=ppt/slides/slide21.xml><?xml version="1.0" encoding="utf-8"?>
+<file path=ppt/slides/slide2.xml><?xml version="1.0" encoding="utf-8"?>
+<p:sld xmlns:a="http://schemas.openxmlformats.org/drawingml/2006/main" xmlns:r="http://schemas.openxmlformats.org/officeDocument/2006/relationships" xmlns:p="http://schemas.openxmlformats.org/presentationml/2006/main">
+  <p:cSld>
+    <p:spTree>
+      <p:nvGrpSpPr>
+        <p:cNvPr id="1" name=""/>
+        <p:cNvGrpSpPr/>
+        <p:nvPr/>
+      </p:nvGrpSpPr>
+      <p:grpSpPr>
+        <a:xfrm>
+          <a:off x="0" y="0"/>
+          <a:ext cx="0" cy="0"/>
+          <a:chOff x="0" y="0"/>
+          <a:chExt cx="0" cy="0"/>
+        </a:xfrm>
+      </p:grpSpPr>
+      <p:sp>
+        <p:nvSpPr>
+          <p:cNvPr id="2" name="Title 1">
+            <a:extLst>
+              <a:ext uri="{FF2B5EF4-FFF2-40B4-BE49-F238E27FC236}">
+                <a16:creationId xmlns:a16="http://schemas.microsoft.com/office/drawing/2014/main" id="{7ED3EC1C-5978-4E69-B412-C84A5C225356}"/>
+              </a:ext>
+            </a:extLst>
+          </p:cNvPr>
+          <p:cNvSpPr>
+            <a:spLocks noGrp="1"/>
+          </p:cNvSpPr>
+          <p:nvPr>
+            <p:ph type="title"/>
+          </p:nvPr>
+        </p:nvSpPr>
+        <p:spPr/>
+        <p:txBody>
+          <a:bodyPr/>
+          <a:lstStyle/>
+          <a:p>
+            <a:r>
+              <a:rPr lang="es-PE" dirty="0"/>
+              <a:t>Justificación</a:t>
+            </a:r>
+          </a:p>
+        </p:txBody>
+      </p:sp>
+      <p:sp>
+        <p:nvSpPr>
+          <p:cNvPr id="3" name="Content Placeholder 2">
+            <a:extLst>
+              <a:ext uri="{FF2B5EF4-FFF2-40B4-BE49-F238E27FC236}">
+                <a16:creationId xmlns:a16="http://schemas.microsoft.com/office/drawing/2014/main" id="{8B5284A3-1E12-4E03-BDDC-DEF273E0FB8C}"/>
+              </a:ext>
+            </a:extLst>
+          </p:cNvPr>
+          <p:cNvSpPr>
+            <a:spLocks noGrp="1"/>
+          </p:cNvSpPr>
+          <p:nvPr>
+            <p:ph idx="1"/>
+          </p:nvPr>
+        </p:nvSpPr>
+        <p:spPr/>
+        <p:txBody>
+          <a:bodyPr/>
+          <a:lstStyle/>
+          <a:p>
+            <a:r>
+              <a:rPr lang="es-PE" dirty="0"/>
+              <a:t>Análisis de diversidad beta miden cambios en el perfil global de </a:t>
+            </a:r>
+            <a:r>
+              <a:rPr lang="es-PE" dirty="0" err="1"/>
+              <a:t>OTUs</a:t>
+            </a:r>
+            <a:r>
+              <a:rPr lang="es-PE" dirty="0"/>
+              <a:t> de una muestra</a:t>
+            </a:r>
+          </a:p>
+          <a:p>
+            <a:r>
+              <a:rPr lang="es-PE" dirty="0"/>
+              <a:t>Perfil esta influenciado por muchos grupos, especialmente los abundantes</a:t>
+            </a:r>
+          </a:p>
+          <a:p>
+            <a:r>
+              <a:rPr lang="es-PE" dirty="0"/>
+              <a:t>El análisis de abundancia diferencia evalúa la distribución de </a:t>
+            </a:r>
+            <a:r>
+              <a:rPr lang="es-PE" dirty="0" err="1"/>
+              <a:t>OTUs</a:t>
+            </a:r>
+            <a:r>
+              <a:rPr lang="es-PE" dirty="0"/>
+              <a:t> individuales en el contexto de un tratamiento.</a:t>
+            </a:r>
+          </a:p>
+        </p:txBody>
+      </p:sp>
+    </p:spTree>
+    <p:extLst>
+      <p:ext uri="{BB962C8B-B14F-4D97-AF65-F5344CB8AC3E}">
+        <p14:creationId xmlns:p14="http://schemas.microsoft.com/office/powerpoint/2010/main" val="87066023"/>
+      </p:ext>
+    </p:extLst>
+  </p:cSld>
+  <p:clrMapOvr>
+    <a:masterClrMapping/>
+  </p:clrMapOvr>
+</p:sld>
+</file>
+
+<file path=ppt/slides/slide20.xml><?xml version="1.0" encoding="utf-8"?>
 <p:sld xmlns:a="http://schemas.openxmlformats.org/drawingml/2006/main" xmlns:r="http://schemas.openxmlformats.org/officeDocument/2006/relationships" xmlns:p="http://schemas.openxmlformats.org/presentationml/2006/main">
   <p:cSld>
     <p:spTree>
@@ -14848,7 +14832,7 @@
 </p:sld>
 </file>
 
-<file path=ppt/slides/slide22.xml><?xml version="1.0" encoding="utf-8"?>
+<file path=ppt/slides/slide21.xml><?xml version="1.0" encoding="utf-8"?>
 <p:sld xmlns:a="http://schemas.openxmlformats.org/drawingml/2006/main" xmlns:r="http://schemas.openxmlformats.org/officeDocument/2006/relationships" xmlns:p="http://schemas.openxmlformats.org/presentationml/2006/main">
   <p:cSld>
     <p:spTree>
@@ -15109,7 +15093,7 @@
 </p:sld>
 </file>
 
-<file path=ppt/slides/slide23.xml><?xml version="1.0" encoding="utf-8"?>
+<file path=ppt/slides/slide22.xml><?xml version="1.0" encoding="utf-8"?>
 <p:sld xmlns:a="http://schemas.openxmlformats.org/drawingml/2006/main" xmlns:r="http://schemas.openxmlformats.org/officeDocument/2006/relationships" xmlns:p="http://schemas.openxmlformats.org/presentationml/2006/main">
   <p:cSld>
     <p:spTree>
@@ -16649,7 +16633,7 @@
 </p:sld>
 </file>
 
-<file path=ppt/slides/slide24.xml><?xml version="1.0" encoding="utf-8"?>
+<file path=ppt/slides/slide23.xml><?xml version="1.0" encoding="utf-8"?>
 <p:sld xmlns:a="http://schemas.openxmlformats.org/drawingml/2006/main" xmlns:r="http://schemas.openxmlformats.org/officeDocument/2006/relationships" xmlns:p="http://schemas.openxmlformats.org/presentationml/2006/main">
   <p:cSld>
     <p:spTree>
@@ -17845,7 +17829,7 @@
 </p:sld>
 </file>
 
-<file path=ppt/slides/slide25.xml><?xml version="1.0" encoding="utf-8"?>
+<file path=ppt/slides/slide24.xml><?xml version="1.0" encoding="utf-8"?>
 <p:sld xmlns:a="http://schemas.openxmlformats.org/drawingml/2006/main" xmlns:r="http://schemas.openxmlformats.org/officeDocument/2006/relationships" xmlns:p="http://schemas.openxmlformats.org/presentationml/2006/main">
   <p:cSld>
     <p:spTree>
@@ -18042,7 +18026,7 @@
 </p:sld>
 </file>
 
-<file path=ppt/slides/slide26.xml><?xml version="1.0" encoding="utf-8"?>
+<file path=ppt/slides/slide25.xml><?xml version="1.0" encoding="utf-8"?>
 <p:sld xmlns:a="http://schemas.openxmlformats.org/drawingml/2006/main" xmlns:r="http://schemas.openxmlformats.org/officeDocument/2006/relationships" xmlns:p="http://schemas.openxmlformats.org/presentationml/2006/main">
   <p:cSld>
     <p:spTree>
@@ -18305,7 +18289,7 @@
 </p:sld>
 </file>
 
-<file path=ppt/slides/slide27.xml><?xml version="1.0" encoding="utf-8"?>
+<file path=ppt/slides/slide26.xml><?xml version="1.0" encoding="utf-8"?>
 <p:sld xmlns:a="http://schemas.openxmlformats.org/drawingml/2006/main" xmlns:r="http://schemas.openxmlformats.org/officeDocument/2006/relationships" xmlns:p="http://schemas.openxmlformats.org/presentationml/2006/main">
   <p:cSld>
     <p:spTree>
@@ -18548,13 +18532,7 @@
       </p:grpSpPr>
       <p:sp>
         <p:nvSpPr>
-          <p:cNvPr id="2" name="Title 1">
-            <a:extLst>
-              <a:ext uri="{FF2B5EF4-FFF2-40B4-BE49-F238E27FC236}">
-                <a16:creationId xmlns:a16="http://schemas.microsoft.com/office/drawing/2014/main" id="{7ED3EC1C-5978-4E69-B412-C84A5C225356}"/>
-              </a:ext>
-            </a:extLst>
-          </p:cNvPr>
+          <p:cNvPr id="2" name="Title 1"/>
           <p:cNvSpPr>
             <a:spLocks noGrp="1"/>
           </p:cNvSpPr>
@@ -18568,18 +18546,19 @@
           <a:lstStyle/>
           <a:p>
             <a:r>
-              <a:rPr lang="es-PE" dirty="0"/>
-              <a:t>Justificación</a:t>
-            </a:r>
+              <a:rPr lang="en-US" dirty="0" err="1"/>
+              <a:t>Objetivos</a:t>
+            </a:r>
+            <a:endParaRPr lang="en-US" dirty="0"/>
           </a:p>
         </p:txBody>
       </p:sp>
       <p:sp>
         <p:nvSpPr>
-          <p:cNvPr id="3" name="Content Placeholder 2">
+          <p:cNvPr id="5" name="Content Placeholder 4">
             <a:extLst>
               <a:ext uri="{FF2B5EF4-FFF2-40B4-BE49-F238E27FC236}">
-                <a16:creationId xmlns:a16="http://schemas.microsoft.com/office/drawing/2014/main" id="{8B5284A3-1E12-4E03-BDDC-DEF273E0FB8C}"/>
+                <a16:creationId xmlns:a16="http://schemas.microsoft.com/office/drawing/2014/main" id="{60510F10-5FE9-4C59-8533-7822FEE04745}"/>
               </a:ext>
             </a:extLst>
           </p:cNvPr>
@@ -18597,43 +18576,33 @@
           <a:p>
             <a:r>
               <a:rPr lang="es-PE" dirty="0"/>
-              <a:t>Análisis de diversidad beta miden cambios en el perfil global de </a:t>
-            </a:r>
-            <a:r>
-              <a:rPr lang="es-PE" dirty="0" err="1"/>
-              <a:t>OTUs</a:t>
-            </a:r>
-            <a:r>
-              <a:rPr lang="es-PE" dirty="0"/>
-              <a:t> de una muestra</a:t>
+              <a:t>Los estudiantes podrán justificar el porque se hacen análisis de abundancias diferenciales</a:t>
             </a:r>
           </a:p>
           <a:p>
             <a:r>
               <a:rPr lang="es-PE" dirty="0"/>
-              <a:t>Perfil esta influenciado por muchos grupos, especialmente los abundantes</a:t>
+              <a:t>Los estudiantes podrán mencionar dos tipos de análisis de abundancias diferenciales</a:t>
             </a:r>
           </a:p>
           <a:p>
             <a:r>
               <a:rPr lang="es-PE" dirty="0"/>
-              <a:t>El análisis de abundancia diferencia evalúa la distribución de </a:t>
-            </a:r>
-            <a:r>
-              <a:rPr lang="es-PE" dirty="0" err="1"/>
-              <a:t>OTUs</a:t>
-            </a:r>
-            <a:r>
-              <a:rPr lang="es-PE" dirty="0"/>
-              <a:t> individuales en el contexto de un tratamiento.</a:t>
-            </a:r>
+              <a:t>Los alumnos podrán entender cuales son las limitaciones de este tipo de análisis</a:t>
+            </a:r>
+          </a:p>
+          <a:p>
+            <a:endParaRPr lang="es-PE" dirty="0"/>
+          </a:p>
+          <a:p>
+            <a:endParaRPr lang="es-PE" dirty="0"/>
           </a:p>
         </p:txBody>
       </p:sp>
     </p:spTree>
     <p:extLst>
       <p:ext uri="{BB962C8B-B14F-4D97-AF65-F5344CB8AC3E}">
-        <p14:creationId xmlns:p14="http://schemas.microsoft.com/office/powerpoint/2010/main" val="87066023"/>
+        <p14:creationId xmlns:p14="http://schemas.microsoft.com/office/powerpoint/2010/main" val="2432363482"/>
       </p:ext>
     </p:extLst>
   </p:cSld>
